--- a/TVM.pptx
+++ b/TVM.pptx
@@ -14,6 +14,10 @@
     <p:sldId id="262" r:id="rId8"/>
     <p:sldId id="263" r:id="rId9"/>
     <p:sldId id="264" r:id="rId10"/>
+    <p:sldId id="265" r:id="rId11"/>
+    <p:sldId id="266" r:id="rId12"/>
+    <p:sldId id="268" r:id="rId13"/>
+    <p:sldId id="267" r:id="rId14"/>
   </p:sldIdLst>
   <p:sldSz cx="12192000" cy="6858000"/>
   <p:notesSz cx="6858000" cy="9144000"/>
@@ -112,6 +116,11 @@
       </a:defRPr>
     </a:lvl9pPr>
   </p:defaultTextStyle>
+  <p:extLst>
+    <p:ext uri="{EFAFB233-063F-42B5-8137-9DF3F51BA10A}">
+      <p15:sldGuideLst xmlns:p15="http://schemas.microsoft.com/office/powerpoint/2012/main"/>
+    </p:ext>
+  </p:extLst>
 </p:presentation>
 </file>
 
@@ -264,7 +273,7 @@
           <a:p>
             <a:fld id="{1C20160E-8C9A-274E-995A-8143517AF6D0}" type="datetimeFigureOut">
               <a:rPr lang="en-VN" smtClean="0"/>
-              <a:t>06/03/2024</a:t>
+              <a:t>03/06/2024</a:t>
             </a:fld>
             <a:endParaRPr lang="en-VN"/>
           </a:p>
@@ -464,7 +473,7 @@
           <a:p>
             <a:fld id="{1C20160E-8C9A-274E-995A-8143517AF6D0}" type="datetimeFigureOut">
               <a:rPr lang="en-VN" smtClean="0"/>
-              <a:t>06/03/2024</a:t>
+              <a:t>03/06/2024</a:t>
             </a:fld>
             <a:endParaRPr lang="en-VN"/>
           </a:p>
@@ -674,7 +683,7 @@
           <a:p>
             <a:fld id="{1C20160E-8C9A-274E-995A-8143517AF6D0}" type="datetimeFigureOut">
               <a:rPr lang="en-VN" smtClean="0"/>
-              <a:t>06/03/2024</a:t>
+              <a:t>03/06/2024</a:t>
             </a:fld>
             <a:endParaRPr lang="en-VN"/>
           </a:p>
@@ -874,7 +883,7 @@
           <a:p>
             <a:fld id="{1C20160E-8C9A-274E-995A-8143517AF6D0}" type="datetimeFigureOut">
               <a:rPr lang="en-VN" smtClean="0"/>
-              <a:t>06/03/2024</a:t>
+              <a:t>03/06/2024</a:t>
             </a:fld>
             <a:endParaRPr lang="en-VN"/>
           </a:p>
@@ -1150,7 +1159,7 @@
           <a:p>
             <a:fld id="{1C20160E-8C9A-274E-995A-8143517AF6D0}" type="datetimeFigureOut">
               <a:rPr lang="en-VN" smtClean="0"/>
-              <a:t>06/03/2024</a:t>
+              <a:t>03/06/2024</a:t>
             </a:fld>
             <a:endParaRPr lang="en-VN"/>
           </a:p>
@@ -1418,7 +1427,7 @@
           <a:p>
             <a:fld id="{1C20160E-8C9A-274E-995A-8143517AF6D0}" type="datetimeFigureOut">
               <a:rPr lang="en-VN" smtClean="0"/>
-              <a:t>06/03/2024</a:t>
+              <a:t>03/06/2024</a:t>
             </a:fld>
             <a:endParaRPr lang="en-VN"/>
           </a:p>
@@ -1833,7 +1842,7 @@
           <a:p>
             <a:fld id="{1C20160E-8C9A-274E-995A-8143517AF6D0}" type="datetimeFigureOut">
               <a:rPr lang="en-VN" smtClean="0"/>
-              <a:t>06/03/2024</a:t>
+              <a:t>03/06/2024</a:t>
             </a:fld>
             <a:endParaRPr lang="en-VN"/>
           </a:p>
@@ -1975,7 +1984,7 @@
           <a:p>
             <a:fld id="{1C20160E-8C9A-274E-995A-8143517AF6D0}" type="datetimeFigureOut">
               <a:rPr lang="en-VN" smtClean="0"/>
-              <a:t>06/03/2024</a:t>
+              <a:t>03/06/2024</a:t>
             </a:fld>
             <a:endParaRPr lang="en-VN"/>
           </a:p>
@@ -2088,7 +2097,7 @@
           <a:p>
             <a:fld id="{1C20160E-8C9A-274E-995A-8143517AF6D0}" type="datetimeFigureOut">
               <a:rPr lang="en-VN" smtClean="0"/>
-              <a:t>06/03/2024</a:t>
+              <a:t>03/06/2024</a:t>
             </a:fld>
             <a:endParaRPr lang="en-VN"/>
           </a:p>
@@ -2401,7 +2410,7 @@
           <a:p>
             <a:fld id="{1C20160E-8C9A-274E-995A-8143517AF6D0}" type="datetimeFigureOut">
               <a:rPr lang="en-VN" smtClean="0"/>
-              <a:t>06/03/2024</a:t>
+              <a:t>03/06/2024</a:t>
             </a:fld>
             <a:endParaRPr lang="en-VN"/>
           </a:p>
@@ -2690,7 +2699,7 @@
           <a:p>
             <a:fld id="{1C20160E-8C9A-274E-995A-8143517AF6D0}" type="datetimeFigureOut">
               <a:rPr lang="en-VN" smtClean="0"/>
-              <a:t>06/03/2024</a:t>
+              <a:t>03/06/2024</a:t>
             </a:fld>
             <a:endParaRPr lang="en-VN"/>
           </a:p>
@@ -2933,7 +2942,7 @@
           <a:p>
             <a:fld id="{1C20160E-8C9A-274E-995A-8143517AF6D0}" type="datetimeFigureOut">
               <a:rPr lang="en-VN" smtClean="0"/>
-              <a:t>06/03/2024</a:t>
+              <a:t>03/06/2024</a:t>
             </a:fld>
             <a:endParaRPr lang="en-VN"/>
           </a:p>
@@ -3372,7 +3381,7 @@
           <a:lstStyle/>
           <a:p>
             <a:r>
-              <a:rPr lang="en-VN" dirty="0"/>
+              <a:rPr lang="en-VN"/>
               <a:t>TVM</a:t>
             </a:r>
           </a:p>
@@ -3400,7 +3409,7 @@
           <a:lstStyle/>
           <a:p>
             <a:r>
-              <a:rPr lang="en-VN" dirty="0"/>
+              <a:rPr lang="en-VN"/>
               <a:t>An Automated End-to-End Optimizing Compiler for Deep Learning</a:t>
             </a:r>
           </a:p>
@@ -3416,6 +3425,724 @@
   <p:clrMapOvr>
     <a:masterClrMapping/>
   </p:clrMapOvr>
+</p:sld>
+</file>
+
+<file path=ppt/slides/slide10.xml><?xml version="1.0" encoding="utf-8"?>
+<p:sld xmlns:a="http://schemas.openxmlformats.org/drawingml/2006/main" xmlns:r="http://schemas.openxmlformats.org/officeDocument/2006/relationships" xmlns:p="http://schemas.openxmlformats.org/presentationml/2006/main">
+  <p:cSld>
+    <p:spTree>
+      <p:nvGrpSpPr>
+        <p:cNvPr id="1" name=""/>
+        <p:cNvGrpSpPr/>
+        <p:nvPr/>
+      </p:nvGrpSpPr>
+      <p:grpSpPr>
+        <a:xfrm>
+          <a:off x="0" y="0"/>
+          <a:ext cx="0" cy="0"/>
+          <a:chOff x="0" y="0"/>
+          <a:chExt cx="0" cy="0"/>
+        </a:xfrm>
+      </p:grpSpPr>
+      <p:sp>
+        <p:nvSpPr>
+          <p:cNvPr id="2" name="Title 1">
+            <a:extLst>
+              <a:ext uri="{FF2B5EF4-FFF2-40B4-BE49-F238E27FC236}">
+                <a16:creationId xmlns:a16="http://schemas.microsoft.com/office/drawing/2014/main" id="{C1BE9BA8-DAAE-034C-21AB-23647BF5DE04}"/>
+              </a:ext>
+            </a:extLst>
+          </p:cNvPr>
+          <p:cNvSpPr>
+            <a:spLocks noGrp="1"/>
+          </p:cNvSpPr>
+          <p:nvPr>
+            <p:ph type="title"/>
+          </p:nvPr>
+        </p:nvSpPr>
+        <p:spPr/>
+        <p:txBody>
+          <a:bodyPr/>
+          <a:lstStyle/>
+          <a:p>
+            <a:r>
+              <a:rPr lang="en-US" smtClean="0"/>
+              <a:t>Device/Target Interactions</a:t>
+            </a:r>
+            <a:endParaRPr lang="en-VN"/>
+          </a:p>
+        </p:txBody>
+      </p:sp>
+      <p:sp>
+        <p:nvSpPr>
+          <p:cNvPr id="7" name="TextBox 6">
+            <a:extLst>
+              <a:ext uri="{FF2B5EF4-FFF2-40B4-BE49-F238E27FC236}">
+                <a16:creationId xmlns:a16="http://schemas.microsoft.com/office/drawing/2014/main" id="{87AFADB9-476F-CD53-085C-E5D241B226C2}"/>
+              </a:ext>
+            </a:extLst>
+          </p:cNvPr>
+          <p:cNvSpPr txBox="1"/>
+          <p:nvPr/>
+        </p:nvSpPr>
+        <p:spPr>
+          <a:xfrm>
+            <a:off x="838201" y="1536304"/>
+            <a:ext cx="10515600" cy="4662815"/>
+          </a:xfrm>
+          <a:prstGeom prst="rect">
+            <a:avLst/>
+          </a:prstGeom>
+          <a:noFill/>
+        </p:spPr>
+        <p:txBody>
+          <a:bodyPr wrap="square" rtlCol="0">
+            <a:spAutoFit/>
+          </a:bodyPr>
+          <a:lstStyle/>
+          <a:p>
+            <a:pPr>
+              <a:lnSpc>
+                <a:spcPct val="150000"/>
+              </a:lnSpc>
+            </a:pPr>
+            <a:r>
+              <a:rPr lang="en-US" b="1" smtClean="0"/>
+              <a:t>Compile low-level </a:t>
+            </a:r>
+            <a:r>
+              <a:rPr lang="en-US" b="1" err="1" smtClean="0"/>
+              <a:t>TIR</a:t>
+            </a:r>
+            <a:r>
+              <a:rPr lang="en-US" b="1" smtClean="0"/>
+              <a:t> to </a:t>
+            </a:r>
+            <a:r>
+              <a:rPr lang="en-US" b="1" err="1" smtClean="0"/>
+              <a:t>TVM</a:t>
+            </a:r>
+            <a:r>
+              <a:rPr lang="en-US" b="1" smtClean="0"/>
+              <a:t> runtime on hardware</a:t>
+            </a:r>
+          </a:p>
+          <a:p>
+            <a:pPr>
+              <a:lnSpc>
+                <a:spcPct val="150000"/>
+              </a:lnSpc>
+            </a:pPr>
+            <a:r>
+              <a:rPr lang="en-US" smtClean="0"/>
+              <a:t>How </a:t>
+            </a:r>
+            <a:r>
+              <a:rPr lang="en-US"/>
+              <a:t>the </a:t>
+            </a:r>
+            <a:r>
+              <a:rPr lang="en-US" err="1"/>
+              <a:t>TVM</a:t>
+            </a:r>
+            <a:r>
+              <a:rPr lang="en-US"/>
+              <a:t> framework interacts with specific device APIs, </a:t>
+            </a:r>
+            <a:r>
+              <a:rPr lang="en-US" smtClean="0"/>
+              <a:t>or </a:t>
+            </a:r>
+            <a:r>
+              <a:rPr lang="en-US"/>
+              <a:t>who may want to implement support for </a:t>
+            </a:r>
+            <a:endParaRPr lang="en-US" smtClean="0"/>
+          </a:p>
+          <a:p>
+            <a:pPr>
+              <a:lnSpc>
+                <a:spcPct val="150000"/>
+              </a:lnSpc>
+            </a:pPr>
+            <a:r>
+              <a:rPr lang="en-US" smtClean="0"/>
+              <a:t>a </a:t>
+            </a:r>
+            <a:r>
+              <a:rPr lang="en-US"/>
+              <a:t>new API or new </a:t>
+            </a:r>
+            <a:r>
+              <a:rPr lang="en-US" smtClean="0"/>
+              <a:t>hardware.</a:t>
+            </a:r>
+          </a:p>
+          <a:p>
+            <a:pPr>
+              <a:lnSpc>
+                <a:spcPct val="150000"/>
+              </a:lnSpc>
+            </a:pPr>
+            <a:r>
+              <a:rPr lang="en-US" smtClean="0"/>
+              <a:t>3 main aspects:</a:t>
+            </a:r>
+          </a:p>
+          <a:p>
+            <a:pPr marL="285750" indent="-285750">
+              <a:lnSpc>
+                <a:spcPct val="150000"/>
+              </a:lnSpc>
+              <a:buFont typeface="Arial" panose="020B0604020202020204" pitchFamily="34" charset="0"/>
+              <a:buChar char="•"/>
+            </a:pPr>
+            <a:r>
+              <a:rPr lang="en-US" b="1" err="1" smtClean="0"/>
+              <a:t>DeviceAPI</a:t>
+            </a:r>
+            <a:r>
+              <a:rPr lang="en-US" b="1"/>
+              <a:t> </a:t>
+            </a:r>
+            <a:r>
+              <a:rPr lang="en-US" b="1" smtClean="0"/>
+              <a:t> </a:t>
+            </a:r>
+            <a:r>
+              <a:rPr lang="en-US" smtClean="0"/>
+              <a:t>for </a:t>
+            </a:r>
+            <a:r>
+              <a:rPr lang="en-US" u="sng" smtClean="0"/>
+              <a:t>querying device parameters </a:t>
+            </a:r>
+            <a:r>
+              <a:rPr lang="en-US" smtClean="0"/>
+              <a:t>(avail. </a:t>
+            </a:r>
+            <a:r>
+              <a:rPr lang="en-US"/>
+              <a:t>m</a:t>
+            </a:r>
+            <a:r>
+              <a:rPr lang="en-US" smtClean="0"/>
+              <a:t>emory, num. of threads,…) and simple actions (copy mem.</a:t>
+            </a:r>
+            <a:br>
+              <a:rPr lang="en-US" smtClean="0"/>
+            </a:br>
+            <a:r>
+              <a:rPr lang="en-US" smtClean="0"/>
+              <a:t>from host or between buffers on the device).</a:t>
+            </a:r>
+          </a:p>
+          <a:p>
+            <a:pPr marL="285750" indent="-285750">
+              <a:lnSpc>
+                <a:spcPct val="150000"/>
+              </a:lnSpc>
+              <a:buFont typeface="Arial" panose="020B0604020202020204" pitchFamily="34" charset="0"/>
+              <a:buChar char="•"/>
+            </a:pPr>
+            <a:r>
+              <a:rPr lang="en-US" b="1" smtClean="0"/>
+              <a:t>Target </a:t>
+            </a:r>
+            <a:r>
+              <a:rPr lang="en-US" smtClean="0"/>
+              <a:t>contains </a:t>
+            </a:r>
+            <a:r>
+              <a:rPr lang="en-US" u="sng" smtClean="0"/>
+              <a:t>description of device </a:t>
+            </a:r>
+            <a:r>
+              <a:rPr lang="en-US" smtClean="0"/>
+              <a:t>on which functions will run. </a:t>
+            </a:r>
+            <a:br>
+              <a:rPr lang="en-US" smtClean="0"/>
+            </a:br>
+            <a:r>
+              <a:rPr lang="en-US" smtClean="0"/>
+              <a:t>Target exposes both to target code generators and to optimization passes</a:t>
+            </a:r>
+          </a:p>
+          <a:p>
+            <a:pPr marL="285750" lvl="0" indent="-285750">
+              <a:lnSpc>
+                <a:spcPct val="150000"/>
+              </a:lnSpc>
+              <a:buFont typeface="Arial" panose="020B0604020202020204" pitchFamily="34" charset="0"/>
+              <a:buChar char="•"/>
+            </a:pPr>
+            <a:r>
+              <a:rPr lang="en-US" b="1"/>
+              <a:t>The target code generators</a:t>
+            </a:r>
+            <a:r>
+              <a:rPr lang="en-US"/>
+              <a:t> construct a </a:t>
+            </a:r>
+            <a:r>
+              <a:rPr lang="en-US" u="sng"/>
+              <a:t>Module</a:t>
+            </a:r>
+            <a:r>
+              <a:rPr lang="en-US"/>
+              <a:t> consisting of one or more </a:t>
+            </a:r>
+            <a:r>
+              <a:rPr lang="en-US" u="sng"/>
+              <a:t>PackedFunc</a:t>
+            </a:r>
+            <a:r>
+              <a:rPr lang="en-US"/>
+              <a:t>, from an IRModule.</a:t>
+            </a:r>
+          </a:p>
+          <a:p>
+            <a:pPr marL="285750" indent="-285750">
+              <a:lnSpc>
+                <a:spcPct val="150000"/>
+              </a:lnSpc>
+              <a:buFont typeface="Arial" panose="020B0604020202020204" pitchFamily="34" charset="0"/>
+              <a:buChar char="•"/>
+            </a:pPr>
+            <a:endParaRPr lang="en-VN" b="1"/>
+          </a:p>
+        </p:txBody>
+      </p:sp>
+    </p:spTree>
+    <p:extLst>
+      <p:ext uri="{BB962C8B-B14F-4D97-AF65-F5344CB8AC3E}">
+        <p14:creationId xmlns:p14="http://schemas.microsoft.com/office/powerpoint/2010/main" val="3469815608"/>
+      </p:ext>
+    </p:extLst>
+  </p:cSld>
+  <p:clrMapOvr>
+    <a:masterClrMapping/>
+  </p:clrMapOvr>
+  <p:timing>
+    <p:tnLst>
+      <p:par>
+        <p:cTn id="1" dur="indefinite" restart="never" nodeType="tmRoot"/>
+      </p:par>
+    </p:tnLst>
+  </p:timing>
+</p:sld>
+</file>
+
+<file path=ppt/slides/slide11.xml><?xml version="1.0" encoding="utf-8"?>
+<p:sld xmlns:a="http://schemas.openxmlformats.org/drawingml/2006/main" xmlns:r="http://schemas.openxmlformats.org/officeDocument/2006/relationships" xmlns:p="http://schemas.openxmlformats.org/presentationml/2006/main">
+  <p:cSld>
+    <p:spTree>
+      <p:nvGrpSpPr>
+        <p:cNvPr id="1" name=""/>
+        <p:cNvGrpSpPr/>
+        <p:nvPr/>
+      </p:nvGrpSpPr>
+      <p:grpSpPr>
+        <a:xfrm>
+          <a:off x="0" y="0"/>
+          <a:ext cx="0" cy="0"/>
+          <a:chOff x="0" y="0"/>
+          <a:chExt cx="0" cy="0"/>
+        </a:xfrm>
+      </p:grpSpPr>
+      <p:sp>
+        <p:nvSpPr>
+          <p:cNvPr id="2" name="Title 1">
+            <a:extLst>
+              <a:ext uri="{FF2B5EF4-FFF2-40B4-BE49-F238E27FC236}">
+                <a16:creationId xmlns:a16="http://schemas.microsoft.com/office/drawing/2014/main" id="{C1BE9BA8-DAAE-034C-21AB-23647BF5DE04}"/>
+              </a:ext>
+            </a:extLst>
+          </p:cNvPr>
+          <p:cNvSpPr>
+            <a:spLocks noGrp="1"/>
+          </p:cNvSpPr>
+          <p:nvPr>
+            <p:ph type="title"/>
+          </p:nvPr>
+        </p:nvSpPr>
+        <p:spPr/>
+        <p:txBody>
+          <a:bodyPr/>
+          <a:lstStyle/>
+          <a:p>
+            <a:r>
+              <a:rPr lang="en-US" smtClean="0"/>
+              <a:t>Device/Target Interactions</a:t>
+            </a:r>
+            <a:endParaRPr lang="en-VN"/>
+          </a:p>
+        </p:txBody>
+      </p:sp>
+      <p:pic>
+        <p:nvPicPr>
+          <p:cNvPr id="4" name="Picture 3"/>
+          <p:cNvPicPr/>
+          <p:nvPr/>
+        </p:nvPicPr>
+        <p:blipFill rotWithShape="1">
+          <a:blip r:embed="rId2" cstate="print">
+            <a:extLst>
+              <a:ext uri="{28A0092B-C50C-407E-A947-70E740481C1C}">
+                <a14:useLocalDpi xmlns:a14="http://schemas.microsoft.com/office/drawing/2010/main" val="0"/>
+              </a:ext>
+            </a:extLst>
+          </a:blip>
+          <a:srcRect l="370" t="2690" r="318"/>
+          <a:stretch/>
+        </p:blipFill>
+        <p:spPr bwMode="auto">
+          <a:xfrm>
+            <a:off x="936319" y="1690688"/>
+            <a:ext cx="9987598" cy="4512604"/>
+          </a:xfrm>
+          <a:prstGeom prst="rect">
+            <a:avLst/>
+          </a:prstGeom>
+          <a:noFill/>
+          <a:ln>
+            <a:noFill/>
+          </a:ln>
+          <a:extLst>
+            <a:ext uri="{53640926-AAD7-44D8-BBD7-CCE9431645EC}">
+              <a14:shadowObscured xmlns:a14="http://schemas.microsoft.com/office/drawing/2010/main"/>
+            </a:ext>
+          </a:extLst>
+        </p:spPr>
+      </p:pic>
+    </p:spTree>
+    <p:extLst>
+      <p:ext uri="{BB962C8B-B14F-4D97-AF65-F5344CB8AC3E}">
+        <p14:creationId xmlns:p14="http://schemas.microsoft.com/office/powerpoint/2010/main" val="4238786922"/>
+      </p:ext>
+    </p:extLst>
+  </p:cSld>
+  <p:clrMapOvr>
+    <a:masterClrMapping/>
+  </p:clrMapOvr>
+  <p:timing>
+    <p:tnLst>
+      <p:par>
+        <p:cTn id="1" dur="indefinite" restart="never" nodeType="tmRoot"/>
+      </p:par>
+    </p:tnLst>
+  </p:timing>
+</p:sld>
+</file>
+
+<file path=ppt/slides/slide12.xml><?xml version="1.0" encoding="utf-8"?>
+<p:sld xmlns:a="http://schemas.openxmlformats.org/drawingml/2006/main" xmlns:r="http://schemas.openxmlformats.org/officeDocument/2006/relationships" xmlns:p="http://schemas.openxmlformats.org/presentationml/2006/main">
+  <p:cSld>
+    <p:spTree>
+      <p:nvGrpSpPr>
+        <p:cNvPr id="1" name=""/>
+        <p:cNvGrpSpPr/>
+        <p:nvPr/>
+      </p:nvGrpSpPr>
+      <p:grpSpPr>
+        <a:xfrm>
+          <a:off x="0" y="0"/>
+          <a:ext cx="0" cy="0"/>
+          <a:chOff x="0" y="0"/>
+          <a:chExt cx="0" cy="0"/>
+        </a:xfrm>
+      </p:grpSpPr>
+      <p:sp>
+        <p:nvSpPr>
+          <p:cNvPr id="2" name="Title 1">
+            <a:extLst>
+              <a:ext uri="{FF2B5EF4-FFF2-40B4-BE49-F238E27FC236}">
+                <a16:creationId xmlns:a16="http://schemas.microsoft.com/office/drawing/2014/main" id="{C1BE9BA8-DAAE-034C-21AB-23647BF5DE04}"/>
+              </a:ext>
+            </a:extLst>
+          </p:cNvPr>
+          <p:cNvSpPr>
+            <a:spLocks noGrp="1"/>
+          </p:cNvSpPr>
+          <p:nvPr>
+            <p:ph type="title"/>
+          </p:nvPr>
+        </p:nvSpPr>
+        <p:spPr>
+          <a:xfrm>
+            <a:off x="838200" y="365125"/>
+            <a:ext cx="11823700" cy="1325563"/>
+          </a:xfrm>
+        </p:spPr>
+        <p:txBody>
+          <a:bodyPr/>
+          <a:lstStyle/>
+          <a:p>
+            <a:r>
+              <a:rPr lang="en-US"/>
+              <a:t>UMA: Universal Modular Accelerator Interface</a:t>
+            </a:r>
+            <a:endParaRPr lang="en-VN"/>
+          </a:p>
+        </p:txBody>
+      </p:sp>
+    </p:spTree>
+    <p:extLst>
+      <p:ext uri="{BB962C8B-B14F-4D97-AF65-F5344CB8AC3E}">
+        <p14:creationId xmlns:p14="http://schemas.microsoft.com/office/powerpoint/2010/main" val="3973554713"/>
+      </p:ext>
+    </p:extLst>
+  </p:cSld>
+  <p:clrMapOvr>
+    <a:masterClrMapping/>
+  </p:clrMapOvr>
+  <p:timing>
+    <p:tnLst>
+      <p:par>
+        <p:cTn id="1" dur="indefinite" restart="never" nodeType="tmRoot"/>
+      </p:par>
+    </p:tnLst>
+  </p:timing>
+</p:sld>
+</file>
+
+<file path=ppt/slides/slide13.xml><?xml version="1.0" encoding="utf-8"?>
+<p:sld xmlns:a="http://schemas.openxmlformats.org/drawingml/2006/main" xmlns:r="http://schemas.openxmlformats.org/officeDocument/2006/relationships" xmlns:p="http://schemas.openxmlformats.org/presentationml/2006/main">
+  <p:cSld>
+    <p:spTree>
+      <p:nvGrpSpPr>
+        <p:cNvPr id="1" name=""/>
+        <p:cNvGrpSpPr/>
+        <p:nvPr/>
+      </p:nvGrpSpPr>
+      <p:grpSpPr>
+        <a:xfrm>
+          <a:off x="0" y="0"/>
+          <a:ext cx="0" cy="0"/>
+          <a:chOff x="0" y="0"/>
+          <a:chExt cx="0" cy="0"/>
+        </a:xfrm>
+      </p:grpSpPr>
+      <p:sp>
+        <p:nvSpPr>
+          <p:cNvPr id="2" name="Title 1">
+            <a:extLst>
+              <a:ext uri="{FF2B5EF4-FFF2-40B4-BE49-F238E27FC236}">
+                <a16:creationId xmlns:a16="http://schemas.microsoft.com/office/drawing/2014/main" id="{C1BE9BA8-DAAE-034C-21AB-23647BF5DE04}"/>
+              </a:ext>
+            </a:extLst>
+          </p:cNvPr>
+          <p:cNvSpPr>
+            <a:spLocks noGrp="1"/>
+          </p:cNvSpPr>
+          <p:nvPr>
+            <p:ph type="title"/>
+          </p:nvPr>
+        </p:nvSpPr>
+        <p:spPr/>
+        <p:txBody>
+          <a:bodyPr/>
+          <a:lstStyle/>
+          <a:p>
+            <a:r>
+              <a:rPr lang="en-US" smtClean="0"/>
+              <a:t>Applying TVM to gencode C for ASIP</a:t>
+            </a:r>
+            <a:endParaRPr lang="en-VN"/>
+          </a:p>
+        </p:txBody>
+      </p:sp>
+      <p:sp>
+        <p:nvSpPr>
+          <p:cNvPr id="6" name="TextBox 5">
+            <a:extLst>
+              <a:ext uri="{FF2B5EF4-FFF2-40B4-BE49-F238E27FC236}">
+                <a16:creationId xmlns:a16="http://schemas.microsoft.com/office/drawing/2014/main" id="{87AFADB9-476F-CD53-085C-E5D241B226C2}"/>
+              </a:ext>
+            </a:extLst>
+          </p:cNvPr>
+          <p:cNvSpPr txBox="1"/>
+          <p:nvPr/>
+        </p:nvSpPr>
+        <p:spPr>
+          <a:xfrm>
+            <a:off x="838201" y="1536304"/>
+            <a:ext cx="10515600" cy="4662815"/>
+          </a:xfrm>
+          <a:prstGeom prst="rect">
+            <a:avLst/>
+          </a:prstGeom>
+          <a:noFill/>
+        </p:spPr>
+        <p:txBody>
+          <a:bodyPr wrap="square" rtlCol="0">
+            <a:spAutoFit/>
+          </a:bodyPr>
+          <a:lstStyle/>
+          <a:p>
+            <a:pPr>
+              <a:lnSpc>
+                <a:spcPct val="150000"/>
+              </a:lnSpc>
+            </a:pPr>
+            <a:r>
+              <a:rPr lang="en-US" smtClean="0"/>
+              <a:t>Known approaches to add ASIP hardware to TVM:</a:t>
+            </a:r>
+          </a:p>
+          <a:p>
+            <a:pPr>
+              <a:lnSpc>
+                <a:spcPct val="150000"/>
+              </a:lnSpc>
+            </a:pPr>
+            <a:r>
+              <a:rPr lang="en-US" b="1" smtClean="0"/>
+              <a:t>1. TVM BYOC:</a:t>
+            </a:r>
+          </a:p>
+          <a:p>
+            <a:pPr marL="285750" indent="-285750">
+              <a:lnSpc>
+                <a:spcPct val="150000"/>
+              </a:lnSpc>
+              <a:buFont typeface="Arial" panose="020B0604020202020204" pitchFamily="34" charset="0"/>
+              <a:buChar char="•"/>
+            </a:pPr>
+            <a:r>
+              <a:rPr lang="en-US" smtClean="0"/>
+              <a:t>A bridge </a:t>
+            </a:r>
+            <a:r>
+              <a:rPr lang="en-US"/>
+              <a:t>from hardware provider to </a:t>
+            </a:r>
+            <a:r>
+              <a:rPr lang="en-US"/>
+              <a:t>user</a:t>
+            </a:r>
+            <a:r>
+              <a:rPr lang="en-US" smtClean="0"/>
+              <a:t>.</a:t>
+            </a:r>
+          </a:p>
+          <a:p>
+            <a:pPr marL="285750" indent="-285750">
+              <a:lnSpc>
+                <a:spcPct val="150000"/>
+              </a:lnSpc>
+              <a:buFont typeface="Arial" panose="020B0604020202020204" pitchFamily="34" charset="0"/>
+              <a:buChar char="•"/>
+            </a:pPr>
+            <a:r>
+              <a:rPr lang="en-US" smtClean="0"/>
+              <a:t>Hardware </a:t>
+            </a:r>
+            <a:r>
+              <a:rPr lang="en-US"/>
+              <a:t>backend </a:t>
+            </a:r>
+            <a:r>
+              <a:rPr lang="en-US" smtClean="0"/>
+              <a:t>provider can </a:t>
+            </a:r>
+            <a:r>
+              <a:rPr lang="en-US"/>
+              <a:t>easily implement your own codegen and register it as a Relay backend compiler to support your </a:t>
+            </a:r>
+            <a:r>
+              <a:rPr lang="en-US"/>
+              <a:t>hardware </a:t>
+            </a:r>
+            <a:r>
+              <a:rPr lang="en-US" smtClean="0"/>
+              <a:t>device/library.</a:t>
+            </a:r>
+            <a:endParaRPr lang="en-US"/>
+          </a:p>
+          <a:p>
+            <a:pPr>
+              <a:lnSpc>
+                <a:spcPct val="150000"/>
+              </a:lnSpc>
+            </a:pPr>
+            <a:r>
+              <a:rPr lang="en-US" b="1" smtClean="0"/>
+              <a:t>	=&gt; CHALLENGING!  Need someone who has backend and codegen background!</a:t>
+            </a:r>
+          </a:p>
+          <a:p>
+            <a:pPr>
+              <a:lnSpc>
+                <a:spcPct val="150000"/>
+              </a:lnSpc>
+            </a:pPr>
+            <a:r>
+              <a:rPr lang="en-US" b="1" smtClean="0"/>
+              <a:t>2. Generate code C for ASIP</a:t>
+            </a:r>
+          </a:p>
+          <a:p>
+            <a:pPr marL="285750" indent="-285750">
+              <a:lnSpc>
+                <a:spcPct val="150000"/>
+              </a:lnSpc>
+              <a:buFont typeface="Arial" panose="020B0604020202020204" pitchFamily="34" charset="0"/>
+              <a:buChar char="•"/>
+            </a:pPr>
+            <a:r>
+              <a:rPr lang="en-US" smtClean="0"/>
+              <a:t>Can generate from .tflte and .onnx model to pure code C.</a:t>
+            </a:r>
+          </a:p>
+          <a:p>
+            <a:pPr marL="285750" indent="-285750">
+              <a:lnSpc>
+                <a:spcPct val="150000"/>
+              </a:lnSpc>
+              <a:buFont typeface="Arial" panose="020B0604020202020204" pitchFamily="34" charset="0"/>
+              <a:buChar char="•"/>
+            </a:pPr>
+            <a:r>
+              <a:rPr lang="en-US" smtClean="0"/>
+              <a:t>TVM Runtime (no external libraries are used) checks generated code C by random input tensor.</a:t>
+            </a:r>
+            <a:br>
+              <a:rPr lang="en-US" smtClean="0"/>
+            </a:br>
+            <a:r>
+              <a:rPr lang="en-US" b="1" smtClean="0"/>
+              <a:t>	=&gt; Generated code are compatible with LLVM front-end.</a:t>
+            </a:r>
+            <a:br>
+              <a:rPr lang="en-US" b="1" smtClean="0"/>
+            </a:br>
+            <a:r>
+              <a:rPr lang="en-US" b="1" smtClean="0"/>
+              <a:t>	=&gt; Generated code can not use custom variables or functions of ASIP.</a:t>
+            </a:r>
+          </a:p>
+        </p:txBody>
+      </p:sp>
+    </p:spTree>
+    <p:extLst>
+      <p:ext uri="{BB962C8B-B14F-4D97-AF65-F5344CB8AC3E}">
+        <p14:creationId xmlns:p14="http://schemas.microsoft.com/office/powerpoint/2010/main" val="3656395064"/>
+      </p:ext>
+    </p:extLst>
+  </p:cSld>
+  <p:clrMapOvr>
+    <a:masterClrMapping/>
+  </p:clrMapOvr>
+  <p:timing>
+    <p:tnLst>
+      <p:par>
+        <p:cTn id="1" dur="indefinite" restart="never" nodeType="tmRoot"/>
+      </p:par>
+    </p:tnLst>
+  </p:timing>
 </p:sld>
 </file>
 
@@ -3458,7 +4185,7 @@
           <a:lstStyle/>
           <a:p>
             <a:r>
-              <a:rPr lang="en-VN" dirty="0"/>
+              <a:rPr lang="en-VN"/>
               <a:t>TVM: input/output</a:t>
             </a:r>
           </a:p>
@@ -3553,7 +4280,7 @@
           <a:lstStyle/>
           <a:p>
             <a:r>
-              <a:rPr lang="en-VN" dirty="0"/>
+              <a:rPr lang="en-VN"/>
               <a:t>TVM compiler flow</a:t>
             </a:r>
           </a:p>
@@ -3641,7 +4368,7 @@
           <a:lstStyle/>
           <a:p>
             <a:r>
-              <a:rPr lang="en-VN" dirty="0"/>
+              <a:rPr lang="en-VN"/>
               <a:t>TVM compiler flow</a:t>
             </a:r>
           </a:p>
@@ -3703,7 +4430,7 @@
         <p:spPr>
           <a:xfrm>
             <a:off x="838200" y="3244334"/>
-            <a:ext cx="4871847" cy="464871"/>
+            <a:ext cx="4875053" cy="507831"/>
           </a:xfrm>
           <a:prstGeom prst="rect">
             <a:avLst/>
@@ -3722,8 +4449,12 @@
               </a:lnSpc>
             </a:pPr>
             <a:r>
-              <a:rPr lang="en-VN" dirty="0"/>
-              <a:t>1. Input model from ONNX, Pytorch, Tensorflow,...</a:t>
+              <a:rPr lang="en-VN" b="1"/>
+              <a:t>1. </a:t>
+            </a:r>
+            <a:r>
+              <a:rPr lang="en-VN"/>
+              <a:t>Input model from ONNX, Pytorch, Tensorflow,...</a:t>
             </a:r>
           </a:p>
         </p:txBody>
@@ -3738,6 +4469,13 @@
   <p:clrMapOvr>
     <a:masterClrMapping/>
   </p:clrMapOvr>
+  <p:timing>
+    <p:tnLst>
+      <p:par>
+        <p:cTn id="1" dur="indefinite" restart="never" nodeType="tmRoot"/>
+      </p:par>
+    </p:tnLst>
+  </p:timing>
 </p:sld>
 </file>
 
@@ -3780,7 +4518,7 @@
           <a:lstStyle/>
           <a:p>
             <a:r>
-              <a:rPr lang="en-VN" dirty="0"/>
+              <a:rPr lang="en-VN"/>
               <a:t>TVM compiler flow</a:t>
             </a:r>
           </a:p>
@@ -3842,7 +4580,7 @@
         <p:spPr>
           <a:xfrm>
             <a:off x="838200" y="3244334"/>
-            <a:ext cx="7787004" cy="880369"/>
+            <a:ext cx="7787004" cy="923330"/>
           </a:xfrm>
           <a:prstGeom prst="rect">
             <a:avLst/>
@@ -3861,8 +4599,12 @@
               </a:lnSpc>
             </a:pPr>
             <a:r>
-              <a:rPr lang="en-VN" dirty="0"/>
-              <a:t>2. Parse model to Relay, a kind of Directed Acyclic Graph </a:t>
+              <a:rPr lang="en-VN" b="1"/>
+              <a:t>2. </a:t>
+            </a:r>
+            <a:r>
+              <a:rPr lang="en-VN"/>
+              <a:t>Parse model to Relay, a kind of Directed Acyclic Graph </a:t>
             </a:r>
           </a:p>
           <a:p>
@@ -3872,7 +4614,7 @@
               </a:lnSpc>
             </a:pPr>
             <a:r>
-              <a:rPr lang="en-VN" dirty="0"/>
+              <a:rPr lang="en-VN"/>
               <a:t>and apply Relay transformations, such as Operator Fusion, Layout Transformation</a:t>
             </a:r>
           </a:p>
@@ -3918,6 +4660,13 @@
   <p:clrMapOvr>
     <a:masterClrMapping/>
   </p:clrMapOvr>
+  <p:timing>
+    <p:tnLst>
+      <p:par>
+        <p:cTn id="1" dur="indefinite" restart="never" nodeType="tmRoot"/>
+      </p:par>
+    </p:tnLst>
+  </p:timing>
 </p:sld>
 </file>
 
@@ -3960,7 +4709,7 @@
           <a:lstStyle/>
           <a:p>
             <a:r>
-              <a:rPr lang="en-VN" dirty="0"/>
+              <a:rPr lang="en-VN"/>
               <a:t>TVM compiler flow</a:t>
             </a:r>
           </a:p>
@@ -4022,7 +4771,7 @@
         <p:spPr>
           <a:xfrm>
             <a:off x="344213" y="3191782"/>
-            <a:ext cx="6434960" cy="2957861"/>
+            <a:ext cx="6434960" cy="3000821"/>
           </a:xfrm>
           <a:prstGeom prst="rect">
             <a:avLst/>
@@ -4041,11 +4790,15 @@
               </a:lnSpc>
             </a:pPr>
             <a:r>
-              <a:rPr lang="en-VN" dirty="0"/>
-              <a:t>3. Model is lowered to TE (Tensor Expression) by </a:t>
-            </a:r>
-            <a:r>
-              <a:rPr lang="en-VN" b="1" dirty="0"/>
+              <a:rPr lang="en-VN" b="1"/>
+              <a:t>3. </a:t>
+            </a:r>
+            <a:r>
+              <a:rPr lang="en-VN"/>
+              <a:t>Model is lowered to TE (Tensor Expression) by </a:t>
+            </a:r>
+            <a:r>
+              <a:rPr lang="en-VN" b="1"/>
               <a:t>FuseOps pass</a:t>
             </a:r>
           </a:p>
@@ -4056,7 +4809,7 @@
               </a:lnSpc>
             </a:pPr>
             <a:r>
-              <a:rPr lang="en-VN" dirty="0"/>
+              <a:rPr lang="en-VN"/>
               <a:t> TE is a domain-specific language to describe tensor computation.</a:t>
             </a:r>
           </a:p>
@@ -4067,15 +4820,15 @@
               </a:lnSpc>
             </a:pPr>
             <a:r>
-              <a:rPr lang="en-VN" dirty="0"/>
+              <a:rPr lang="en-VN"/>
               <a:t>TVM provides </a:t>
             </a:r>
             <a:r>
-              <a:rPr lang="en-VN" b="1" dirty="0"/>
+              <a:rPr lang="en-VN" b="1"/>
               <a:t>schedule primitives </a:t>
             </a:r>
             <a:r>
-              <a:rPr lang="en-VN" dirty="0"/>
+              <a:rPr lang="en-VN"/>
               <a:t>to implement low-level (hardware-aware) optimization.</a:t>
             </a:r>
           </a:p>
@@ -4085,22 +4838,26 @@
                 <a:spcPct val="150000"/>
               </a:lnSpc>
             </a:pPr>
+            <a:r>
+              <a:rPr lang="en-VN" b="1"/>
+              <a:t/>
+            </a:r>
             <a:br>
-              <a:rPr lang="en-VN" b="1" dirty="0"/>
+              <a:rPr lang="en-VN" b="1"/>
             </a:br>
             <a:r>
-              <a:rPr lang="en-VN" b="1" dirty="0"/>
+              <a:rPr lang="en-VN" b="1"/>
               <a:t>schedule primitives </a:t>
             </a:r>
             <a:r>
-              <a:rPr lang="en-VN" dirty="0"/>
+              <a:rPr lang="en-VN"/>
               <a:t>is a set of transformations used </a:t>
             </a:r>
             <a:br>
-              <a:rPr lang="en-VN" dirty="0"/>
+              <a:rPr lang="en-VN"/>
             </a:br>
             <a:r>
-              <a:rPr lang="en-VN" dirty="0"/>
+              <a:rPr lang="en-VN"/>
               <a:t>to simplify and optimize tensor computation to hardware.</a:t>
             </a:r>
           </a:p>
@@ -4157,6 +4914,13 @@
   <p:clrMapOvr>
     <a:masterClrMapping/>
   </p:clrMapOvr>
+  <p:timing>
+    <p:tnLst>
+      <p:par>
+        <p:cTn id="1" dur="indefinite" restart="never" nodeType="tmRoot"/>
+      </p:par>
+    </p:tnLst>
+  </p:timing>
 </p:sld>
 </file>
 
@@ -4199,7 +4963,7 @@
           <a:lstStyle/>
           <a:p>
             <a:r>
-              <a:rPr lang="en-VN" dirty="0"/>
+              <a:rPr lang="en-VN"/>
               <a:t>TVM compiler flow</a:t>
             </a:r>
           </a:p>
@@ -4261,7 +5025,7 @@
         <p:spPr>
           <a:xfrm>
             <a:off x="675943" y="3238314"/>
-            <a:ext cx="5420057" cy="3373359"/>
+            <a:ext cx="5420057" cy="3416320"/>
           </a:xfrm>
           <a:prstGeom prst="rect">
             <a:avLst/>
@@ -4280,16 +5044,25 @@
               </a:lnSpc>
             </a:pPr>
             <a:r>
-              <a:rPr lang="en-VN" dirty="0"/>
-              <a:t>4. Find the best way to deploy schedule primitives for</a:t>
+              <a:rPr lang="en-VN" b="1"/>
+              <a:t>4. </a:t>
+            </a:r>
+            <a:r>
+              <a:rPr lang="en-VN"/>
+              <a:t>Find the best way to deploy schedule primitives for</a:t>
             </a:r>
             <a:br>
-              <a:rPr lang="en-VN" dirty="0"/>
+              <a:rPr lang="en-VN"/>
             </a:br>
             <a:r>
-              <a:rPr lang="en-VN" dirty="0"/>
-              <a:t> tensor-expressed model to the target hardware.</a:t>
-            </a:r>
+              <a:rPr lang="en-VN"/>
+              <a:t> tensor-expressed model to the target hardware</a:t>
+            </a:r>
+            <a:r>
+              <a:rPr lang="en-VN" smtClean="0"/>
+              <a:t>.</a:t>
+            </a:r>
+            <a:endParaRPr lang="en-US" smtClean="0"/>
           </a:p>
           <a:p>
             <a:pPr>
@@ -4297,7 +5070,7 @@
                 <a:spcPct val="150000"/>
               </a:lnSpc>
             </a:pPr>
-            <a:endParaRPr lang="en-VN" dirty="0"/>
+            <a:endParaRPr lang="en-VN" smtClean="0"/>
           </a:p>
           <a:p>
             <a:pPr>
@@ -4306,48 +5079,41 @@
               </a:lnSpc>
             </a:pPr>
             <a:r>
-              <a:rPr lang="en-VN" dirty="0"/>
-              <a:t>Schedule Exporer examines the schedule space </a:t>
+              <a:rPr lang="en-VN" b="1" smtClean="0"/>
+              <a:t>Schedule </a:t>
+            </a:r>
+            <a:r>
+              <a:rPr lang="en-VN" b="1"/>
+              <a:t>Exporer </a:t>
+            </a:r>
+            <a:r>
+              <a:rPr lang="en-VN"/>
+              <a:t>examines the schedule space </a:t>
             </a:r>
             <a:br>
-              <a:rPr lang="en-VN" dirty="0"/>
+              <a:rPr lang="en-VN"/>
             </a:br>
             <a:r>
-              <a:rPr lang="en-VN" dirty="0"/>
+              <a:rPr lang="en-VN"/>
               <a:t>using an ML-cost model and </a:t>
             </a:r>
             <a:r>
-              <a:rPr lang="en-US" sz="1800" dirty="0">
-                <a:effectLst/>
-                <a:latin typeface="NimbusRomNo9L"/>
-              </a:rPr>
+              <a:rPr lang="en-US"/>
               <a:t>chooses experiments </a:t>
             </a:r>
             <a:br>
-              <a:rPr lang="en-US" sz="1800" dirty="0">
-                <a:effectLst/>
-                <a:latin typeface="NimbusRomNo9L"/>
-              </a:rPr>
+              <a:rPr lang="en-US"/>
             </a:br>
             <a:r>
-              <a:rPr lang="en-US" sz="1800" dirty="0">
-                <a:effectLst/>
-                <a:latin typeface="NimbusRomNo9L"/>
-              </a:rPr>
+              <a:rPr lang="en-US"/>
               <a:t>to run on distributed device cluster via </a:t>
             </a:r>
             <a:r>
-              <a:rPr lang="en-US" sz="1800" b="1" dirty="0">
-                <a:effectLst/>
-                <a:latin typeface="NimbusRomNo9L"/>
-              </a:rPr>
+              <a:rPr lang="en-US" b="1"/>
               <a:t>RPC</a:t>
             </a:r>
             <a:r>
-              <a:rPr lang="en-US" sz="1800" dirty="0">
-                <a:effectLst/>
-                <a:latin typeface="NimbusRomNo9L"/>
-              </a:rPr>
+              <a:rPr lang="en-US"/>
               <a:t>.</a:t>
             </a:r>
           </a:p>
@@ -4360,10 +5126,7 @@
               <a:buChar char="•"/>
             </a:pPr>
             <a:r>
-              <a:rPr lang="en-US" sz="1800" dirty="0">
-                <a:effectLst/>
-                <a:latin typeface="NimbusRomNo9L"/>
-              </a:rPr>
+              <a:rPr lang="en-US"/>
               <a:t>Measurement data is collected during exploration.</a:t>
             </a:r>
           </a:p>
@@ -4376,12 +5139,9 @@
               <a:buChar char="•"/>
             </a:pPr>
             <a:r>
-              <a:rPr lang="en-US" dirty="0">
-                <a:latin typeface="NimbusRomNo9L"/>
-              </a:rPr>
+              <a:rPr lang="en-US"/>
               <a:t>Not require detailed hardware configuration.</a:t>
             </a:r>
-            <a:endParaRPr lang="en-US" dirty="0"/>
           </a:p>
         </p:txBody>
       </p:sp>
@@ -4439,6 +5199,13 @@
   <p:clrMapOvr>
     <a:masterClrMapping/>
   </p:clrMapOvr>
+  <p:timing>
+    <p:tnLst>
+      <p:par>
+        <p:cTn id="1" dur="indefinite" restart="never" nodeType="tmRoot"/>
+      </p:par>
+    </p:tnLst>
+  </p:timing>
 </p:sld>
 </file>
 
@@ -4481,7 +5248,7 @@
           <a:lstStyle/>
           <a:p>
             <a:r>
-              <a:rPr lang="en-VN" dirty="0"/>
+              <a:rPr lang="en-VN"/>
               <a:t>TVM compiler flow</a:t>
             </a:r>
           </a:p>
@@ -4543,7 +5310,7 @@
         <p:spPr>
           <a:xfrm>
             <a:off x="675943" y="3238314"/>
-            <a:ext cx="5420057" cy="3373359"/>
+            <a:ext cx="5420057" cy="3416320"/>
           </a:xfrm>
           <a:prstGeom prst="rect">
             <a:avLst/>
@@ -4562,14 +5329,18 @@
               </a:lnSpc>
             </a:pPr>
             <a:r>
-              <a:rPr lang="en-VN" dirty="0"/>
-              <a:t>4. Find the best way to deploy schedule primitives for</a:t>
+              <a:rPr lang="en-VN" b="1"/>
+              <a:t>4. </a:t>
+            </a:r>
+            <a:r>
+              <a:rPr lang="en-VN"/>
+              <a:t>Find the best way to deploy schedule primitives for</a:t>
             </a:r>
             <a:br>
-              <a:rPr lang="en-VN" dirty="0"/>
+              <a:rPr lang="en-VN"/>
             </a:br>
             <a:r>
-              <a:rPr lang="en-VN" dirty="0"/>
+              <a:rPr lang="en-VN"/>
               <a:t> tensor-expressed model to the target hardware.</a:t>
             </a:r>
           </a:p>
@@ -4579,7 +5350,7 @@
                 <a:spcPct val="150000"/>
               </a:lnSpc>
             </a:pPr>
-            <a:endParaRPr lang="en-VN" dirty="0"/>
+            <a:endParaRPr lang="en-VN"/>
           </a:p>
           <a:p>
             <a:pPr>
@@ -4588,7 +5359,7 @@
               </a:lnSpc>
             </a:pPr>
             <a:r>
-              <a:rPr lang="en-US" dirty="0"/>
+              <a:rPr lang="en-US"/>
               <a:t>ML-cost model:</a:t>
             </a:r>
           </a:p>
@@ -4601,7 +5372,7 @@
               <a:buChar char="•"/>
             </a:pPr>
             <a:r>
-              <a:rPr lang="en-US" dirty="0"/>
+              <a:rPr lang="en-US"/>
               <a:t>gradient-boosting model</a:t>
             </a:r>
           </a:p>
@@ -4614,7 +5385,7 @@
               <a:buChar char="•"/>
             </a:pPr>
             <a:r>
-              <a:rPr lang="en-US" dirty="0"/>
+              <a:rPr lang="en-US"/>
               <a:t>predicts running time on hardware backend</a:t>
             </a:r>
           </a:p>
@@ -4627,7 +5398,7 @@
               <a:buChar char="•"/>
             </a:pPr>
             <a:r>
-              <a:rPr lang="en-US" dirty="0"/>
+              <a:rPr lang="en-US"/>
               <a:t>trained by real measurement data</a:t>
             </a:r>
           </a:p>
@@ -4640,7 +5411,7 @@
               <a:buChar char="•"/>
             </a:pPr>
             <a:r>
-              <a:rPr lang="en-US" dirty="0"/>
+              <a:rPr lang="en-US"/>
               <a:t>inference time = 1000x faster than real measurement </a:t>
             </a:r>
           </a:p>
@@ -4686,6 +5457,13 @@
   <p:clrMapOvr>
     <a:masterClrMapping/>
   </p:clrMapOvr>
+  <p:timing>
+    <p:tnLst>
+      <p:par>
+        <p:cTn id="1" dur="indefinite" restart="never" nodeType="tmRoot"/>
+      </p:par>
+    </p:tnLst>
+  </p:timing>
 </p:sld>
 </file>
 
@@ -4728,7 +5506,7 @@
           <a:lstStyle/>
           <a:p>
             <a:r>
-              <a:rPr lang="en-VN" dirty="0"/>
+              <a:rPr lang="en-VN"/>
               <a:t>TVM compiler flow</a:t>
             </a:r>
           </a:p>
@@ -4790,7 +5568,7 @@
         <p:spPr>
           <a:xfrm>
             <a:off x="675943" y="3238314"/>
-            <a:ext cx="5420057" cy="3373359"/>
+            <a:ext cx="5420057" cy="2169825"/>
           </a:xfrm>
           <a:prstGeom prst="rect">
             <a:avLst/>
@@ -4809,34 +5587,131 @@
               </a:lnSpc>
             </a:pPr>
             <a:r>
-              <a:rPr lang="en-VN" dirty="0"/>
-              <a:t>4. Find the best way to deploy schedule primitives for</a:t>
-            </a:r>
-            <a:br>
-              <a:rPr lang="en-VN" dirty="0"/>
-            </a:br>
-            <a:r>
-              <a:rPr lang="en-VN" dirty="0"/>
-              <a:t> tensor-expressed model to the target hardware.</a:t>
-            </a:r>
-          </a:p>
+              <a:rPr lang="en-US" b="1"/>
+              <a:t>5</a:t>
+            </a:r>
+            <a:r>
+              <a:rPr lang="en-VN" b="1" smtClean="0"/>
+              <a:t>. </a:t>
+            </a:r>
+            <a:r>
+              <a:rPr lang="en-US" smtClean="0"/>
+              <a:t>Computation graph of model after optimization is saved to “.</a:t>
+            </a:r>
+            <a:r>
+              <a:rPr lang="en-US" err="1" smtClean="0"/>
+              <a:t>json</a:t>
+            </a:r>
+            <a:r>
+              <a:rPr lang="en-US" smtClean="0"/>
+              <a:t>” file.</a:t>
+            </a:r>
+          </a:p>
+          <a:p>
+            <a:pPr algn="just">
+              <a:lnSpc>
+                <a:spcPct val="150000"/>
+              </a:lnSpc>
+            </a:pPr>
+            <a:r>
+              <a:rPr lang="en-US" smtClean="0"/>
+              <a:t> Lower to </a:t>
+            </a:r>
+            <a:r>
+              <a:rPr lang="en-US" b="1" err="1" smtClean="0"/>
+              <a:t>TIR</a:t>
+            </a:r>
+            <a:r>
+              <a:rPr lang="en-US" smtClean="0"/>
+              <a:t> </a:t>
+            </a:r>
+            <a:r>
+              <a:rPr lang="en-US"/>
+              <a:t>(Tensor Intermediate Representation</a:t>
+            </a:r>
+            <a:r>
+              <a:rPr lang="en-US" smtClean="0"/>
+              <a:t>) and apply low-level optimization such as </a:t>
+            </a:r>
+            <a:r>
+              <a:rPr lang="en-US"/>
+              <a:t>access index simplification </a:t>
+            </a:r>
+            <a:r>
+              <a:rPr lang="en-US"/>
+              <a:t>&amp;</a:t>
+            </a:r>
+            <a:r>
+              <a:rPr lang="en-US" smtClean="0"/>
+              <a:t> </a:t>
+            </a:r>
+            <a:r>
+              <a:rPr lang="en-US"/>
+              <a:t>dead code elimination</a:t>
+            </a:r>
+          </a:p>
+        </p:txBody>
+      </p:sp>
+      <p:sp>
+        <p:nvSpPr>
+          <p:cNvPr id="5" name="TextBox 4">
+            <a:extLst>
+              <a:ext uri="{FF2B5EF4-FFF2-40B4-BE49-F238E27FC236}">
+                <a16:creationId xmlns:a16="http://schemas.microsoft.com/office/drawing/2014/main" id="{BDE4DE54-43D7-28B0-0008-FF92C2CC19C0}"/>
+              </a:ext>
+            </a:extLst>
+          </p:cNvPr>
+          <p:cNvSpPr txBox="1"/>
+          <p:nvPr/>
+        </p:nvSpPr>
+        <p:spPr>
+          <a:xfrm>
+            <a:off x="6314743" y="3238313"/>
+            <a:ext cx="6314329" cy="1754326"/>
+          </a:xfrm>
+          <a:prstGeom prst="rect">
+            <a:avLst/>
+          </a:prstGeom>
+          <a:noFill/>
+        </p:spPr>
+        <p:txBody>
+          <a:bodyPr wrap="square" rtlCol="0">
+            <a:spAutoFit/>
+          </a:bodyPr>
+          <a:lstStyle/>
           <a:p>
             <a:pPr>
               <a:lnSpc>
                 <a:spcPct val="150000"/>
               </a:lnSpc>
             </a:pPr>
-            <a:endParaRPr lang="en-VN" dirty="0"/>
-          </a:p>
-          <a:p>
-            <a:pPr>
-              <a:lnSpc>
-                <a:spcPct val="150000"/>
-              </a:lnSpc>
-            </a:pPr>
-            <a:r>
-              <a:rPr lang="en-US" dirty="0"/>
-              <a:t>ML-cost model:</a:t>
+            <a:r>
+              <a:rPr lang="en-US" b="1"/>
+              <a:t>6</a:t>
+            </a:r>
+            <a:r>
+              <a:rPr lang="en-VN" b="1"/>
+              <a:t>. </a:t>
+            </a:r>
+            <a:r>
+              <a:rPr lang="en-US" smtClean="0"/>
+              <a:t>Compile </a:t>
+            </a:r>
+            <a:r>
+              <a:rPr lang="en-US" err="1" smtClean="0"/>
+              <a:t>TIR</a:t>
+            </a:r>
+            <a:r>
+              <a:rPr lang="en-US" smtClean="0"/>
+              <a:t> to hardware, </a:t>
+            </a:r>
+            <a:r>
+              <a:rPr lang="en-US" err="1" smtClean="0"/>
+              <a:t>TVM</a:t>
+            </a:r>
+            <a:r>
+              <a:rPr lang="en-US" smtClean="0"/>
+              <a:t> supports:</a:t>
             </a:r>
           </a:p>
           <a:p>
@@ -4848,9 +5723,10 @@
               <a:buChar char="•"/>
             </a:pPr>
             <a:r>
-              <a:rPr lang="en-US" dirty="0"/>
-              <a:t>gradient-boosting model</a:t>
-            </a:r>
+              <a:rPr lang="en-US" err="1" smtClean="0"/>
+              <a:t>LLVM</a:t>
+            </a:r>
+            <a:endParaRPr lang="en-US"/>
           </a:p>
           <a:p>
             <a:pPr marL="285750" indent="-285750">
@@ -4861,9 +5737,26 @@
               <a:buChar char="•"/>
             </a:pPr>
             <a:r>
-              <a:rPr lang="en-US" dirty="0"/>
-              <a:t>predicts running time on hardware backend</a:t>
-            </a:r>
+              <a:rPr lang="en-US" err="1" smtClean="0"/>
+              <a:t>NVCC</a:t>
+            </a:r>
+            <a:r>
+              <a:rPr lang="en-US" smtClean="0"/>
+              <a:t> (NVIDIA’s </a:t>
+            </a:r>
+            <a:r>
+              <a:rPr lang="en-US" err="1" smtClean="0"/>
+              <a:t>CUDA</a:t>
+            </a:r>
+            <a:r>
+              <a:rPr lang="en-US" smtClean="0"/>
+              <a:t> Compiler), </a:t>
+            </a:r>
+            <a:r>
+              <a:rPr lang="en-US" err="1" smtClean="0"/>
+              <a:t>OpenCL</a:t>
+            </a:r>
+            <a:endParaRPr lang="en-US" smtClean="0"/>
           </a:p>
           <a:p>
             <a:pPr marL="285750" indent="-285750">
@@ -4874,22 +5767,30 @@
               <a:buChar char="•"/>
             </a:pPr>
             <a:r>
-              <a:rPr lang="en-US" dirty="0"/>
-              <a:t>trained by real measurement data</a:t>
-            </a:r>
-          </a:p>
-          <a:p>
-            <a:pPr marL="285750" indent="-285750">
-              <a:lnSpc>
-                <a:spcPct val="150000"/>
-              </a:lnSpc>
-              <a:buFont typeface="Arial" panose="020B0604020202020204" pitchFamily="34" charset="0"/>
-              <a:buChar char="•"/>
-            </a:pPr>
-            <a:r>
-              <a:rPr lang="en-US" dirty="0"/>
-              <a:t>inference time = 1000x faster than real measurement </a:t>
-            </a:r>
+              <a:rPr lang="en-US" err="1" smtClean="0"/>
+              <a:t>Customed</a:t>
+            </a:r>
+            <a:r>
+              <a:rPr lang="en-US" smtClean="0"/>
+              <a:t> compiler (via </a:t>
+            </a:r>
+            <a:r>
+              <a:rPr lang="en-US" b="1" err="1" smtClean="0"/>
+              <a:t>TVM</a:t>
+            </a:r>
+            <a:r>
+              <a:rPr lang="en-US" b="1" smtClean="0"/>
+              <a:t> Bring Your Own </a:t>
+            </a:r>
+            <a:r>
+              <a:rPr lang="en-US" b="1" err="1" smtClean="0"/>
+              <a:t>Codegen</a:t>
+            </a:r>
+            <a:r>
+              <a:rPr lang="en-US" smtClean="0"/>
+              <a:t>)</a:t>
+            </a:r>
+            <a:endParaRPr lang="en-US"/>
           </a:p>
         </p:txBody>
       </p:sp>
@@ -4903,6 +5804,13 @@
   <p:clrMapOvr>
     <a:masterClrMapping/>
   </p:clrMapOvr>
+  <p:timing>
+    <p:tnLst>
+      <p:par>
+        <p:cTn id="1" dur="indefinite" restart="never" nodeType="tmRoot"/>
+      </p:par>
+    </p:tnLst>
+  </p:timing>
 </p:sld>
 </file>
 
